--- a/Loan_Status_Prediction.pptx
+++ b/Loan_Status_Prediction.pptx
@@ -8472,8 +8472,8 @@
         </p:blipFill>
         <p:spPr>
           <a:xfrm>
-            <a:off x="4214649" y="1100326"/>
-            <a:ext cx="7372261" cy="5299480"/>
+            <a:off x="4643200" y="1408386"/>
+            <a:ext cx="6943710" cy="4991420"/>
           </a:xfrm>
           <a:prstGeom prst="rect">
             <a:avLst/>
